--- a/Аспирантура/План диссертации.pptx
+++ b/Аспирантура/План диссертации.pptx
@@ -233,7 +233,7 @@
             <a:fld id="{8A2956D5-2046-4B16-B158-28749009537F}" type="datetimeFigureOut">
               <a:rPr lang="ru-RU" smtClean="0"/>
               <a:pPr/>
-              <a:t>29.11.2023</a:t>
+              <a:t>09.01.2024</a:t>
             </a:fld>
             <a:endParaRPr lang="ru-RU"/>
           </a:p>
@@ -721,7 +721,7 @@
             <a:fld id="{668F77C6-B837-4C28-B069-E60D1A7F8F4C}" type="datetime1">
               <a:rPr lang="ru-RU" smtClean="0"/>
               <a:pPr/>
-              <a:t>29.11.2023</a:t>
+              <a:t>09.01.2024</a:t>
             </a:fld>
             <a:endParaRPr lang="ru-RU"/>
           </a:p>
@@ -891,7 +891,7 @@
             <a:fld id="{E15233C2-C826-421D-8751-732F81C941BB}" type="datetime1">
               <a:rPr lang="ru-RU" smtClean="0"/>
               <a:pPr/>
-              <a:t>29.11.2023</a:t>
+              <a:t>09.01.2024</a:t>
             </a:fld>
             <a:endParaRPr lang="ru-RU"/>
           </a:p>
@@ -1071,7 +1071,7 @@
             <a:fld id="{F047989F-906F-40DE-BA90-D14E94A416BA}" type="datetime1">
               <a:rPr lang="ru-RU" smtClean="0"/>
               <a:pPr/>
-              <a:t>29.11.2023</a:t>
+              <a:t>09.01.2024</a:t>
             </a:fld>
             <a:endParaRPr lang="ru-RU"/>
           </a:p>
@@ -1241,7 +1241,7 @@
             <a:fld id="{D56CFF60-0E50-453A-81B9-424AB7DE66CD}" type="datetime1">
               <a:rPr lang="ru-RU" smtClean="0"/>
               <a:pPr/>
-              <a:t>29.11.2023</a:t>
+              <a:t>09.01.2024</a:t>
             </a:fld>
             <a:endParaRPr lang="ru-RU"/>
           </a:p>
@@ -1492,7 +1492,7 @@
             <a:fld id="{1EADCEAB-127F-4906-8280-7B6697A13E33}" type="datetime1">
               <a:rPr lang="ru-RU" smtClean="0"/>
               <a:pPr/>
-              <a:t>29.11.2023</a:t>
+              <a:t>09.01.2024</a:t>
             </a:fld>
             <a:endParaRPr lang="ru-RU"/>
           </a:p>
@@ -1723,7 +1723,7 @@
             <a:fld id="{772B70F3-DD83-40E6-8787-116CC1402285}" type="datetime1">
               <a:rPr lang="ru-RU" smtClean="0"/>
               <a:pPr/>
-              <a:t>29.11.2023</a:t>
+              <a:t>09.01.2024</a:t>
             </a:fld>
             <a:endParaRPr lang="ru-RU"/>
           </a:p>
@@ -2089,7 +2089,7 @@
             <a:fld id="{EFBC4BE1-28D4-4D8B-A423-5A2E1BA6934C}" type="datetime1">
               <a:rPr lang="ru-RU" smtClean="0"/>
               <a:pPr/>
-              <a:t>29.11.2023</a:t>
+              <a:t>09.01.2024</a:t>
             </a:fld>
             <a:endParaRPr lang="ru-RU"/>
           </a:p>
@@ -2208,7 +2208,7 @@
             <a:fld id="{6B7A375C-D316-441C-BBA4-36702FCEB310}" type="datetime1">
               <a:rPr lang="ru-RU" smtClean="0"/>
               <a:pPr/>
-              <a:t>29.11.2023</a:t>
+              <a:t>09.01.2024</a:t>
             </a:fld>
             <a:endParaRPr lang="ru-RU"/>
           </a:p>
@@ -2305,7 +2305,7 @@
             <a:fld id="{3EE6ABA4-7B05-4C08-9A73-CF8D6885218A}" type="datetime1">
               <a:rPr lang="ru-RU" smtClean="0"/>
               <a:pPr/>
-              <a:t>29.11.2023</a:t>
+              <a:t>09.01.2024</a:t>
             </a:fld>
             <a:endParaRPr lang="ru-RU"/>
           </a:p>
@@ -2582,7 +2582,7 @@
             <a:fld id="{F7A499FF-A70C-4AC7-8F4A-A5151C1A7370}" type="datetime1">
               <a:rPr lang="ru-RU" smtClean="0"/>
               <a:pPr/>
-              <a:t>29.11.2023</a:t>
+              <a:t>09.01.2024</a:t>
             </a:fld>
             <a:endParaRPr lang="ru-RU"/>
           </a:p>
@@ -2836,7 +2836,7 @@
             <a:fld id="{52FB4F09-8D8A-4907-99B4-463641EA0A07}" type="datetime1">
               <a:rPr lang="ru-RU" smtClean="0"/>
               <a:pPr/>
-              <a:t>29.11.2023</a:t>
+              <a:t>09.01.2024</a:t>
             </a:fld>
             <a:endParaRPr lang="ru-RU"/>
           </a:p>
@@ -3049,7 +3049,7 @@
             <a:fld id="{96489DF9-334F-4539-8237-D412EE1173F0}" type="datetime1">
               <a:rPr lang="ru-RU" smtClean="0"/>
               <a:pPr/>
-              <a:t>29.11.2023</a:t>
+              <a:t>09.01.2024</a:t>
             </a:fld>
             <a:endParaRPr lang="ru-RU"/>
           </a:p>
@@ -3580,7 +3580,7 @@
           <p:cNvPr id="14" name="Заголовок 16">
             <a:extLst>
               <a:ext uri="{FF2B5EF4-FFF2-40B4-BE49-F238E27FC236}">
-                <a16:creationId xmlns="" xmlns:a16="http://schemas.microsoft.com/office/drawing/2014/main" id="{D630362D-1F09-46B4-9DE4-AEA483AC82FD}"/>
+                <a16:creationId xmlns:a16="http://schemas.microsoft.com/office/drawing/2014/main" xmlns="" id="{D630362D-1F09-46B4-9DE4-AEA483AC82FD}"/>
               </a:ext>
             </a:extLst>
           </p:cNvPr>
@@ -3721,7 +3721,7 @@
           <p:cNvPr id="8" name="Подзаголовок 6">
             <a:extLst>
               <a:ext uri="{FF2B5EF4-FFF2-40B4-BE49-F238E27FC236}">
-                <a16:creationId xmlns="" xmlns:a16="http://schemas.microsoft.com/office/drawing/2014/main" id="{6F08C3E7-B433-41C9-883D-917A98689EE1}"/>
+                <a16:creationId xmlns:a16="http://schemas.microsoft.com/office/drawing/2014/main" xmlns="" id="{6F08C3E7-B433-41C9-883D-917A98689EE1}"/>
               </a:ext>
             </a:extLst>
           </p:cNvPr>
@@ -12157,7 +12157,6 @@
           </a:bodyPr>
           <a:lstStyle/>
           <a:p>
-            <a:pPr algn="just"/>
             <a:r>
               <a:rPr lang="ru-RU" sz="1200" b="1" dirty="0">
                 <a:latin typeface="Bookman Old Style" panose="02050604050505020204" pitchFamily="18" charset="0"/>
@@ -12531,7 +12530,6 @@
           </a:bodyPr>
           <a:lstStyle/>
           <a:p>
-            <a:pPr algn="just"/>
             <a:r>
               <a:rPr lang="ru-RU" sz="1200" b="1" dirty="0">
                 <a:latin typeface="Bookman Old Style" panose="02050604050505020204" pitchFamily="18" charset="0"/>
@@ -12572,7 +12570,6 @@
           </a:bodyPr>
           <a:lstStyle/>
           <a:p>
-            <a:pPr algn="just"/>
             <a:r>
               <a:rPr lang="ru-RU" sz="1200" b="1" dirty="0">
                 <a:latin typeface="Bookman Old Style" panose="02050604050505020204" pitchFamily="18" charset="0"/>
@@ -12637,7 +12634,7 @@
             </a:r>
           </a:p>
           <a:p>
-            <a:pPr marL="342900" indent="-342900" algn="just">
+            <a:pPr marL="342900" indent="-342900">
               <a:lnSpc>
                 <a:spcPct val="150000"/>
               </a:lnSpc>
@@ -12670,7 +12667,7 @@
             </a:r>
           </a:p>
           <a:p>
-            <a:pPr marL="342900" lvl="0" indent="-342900" algn="just">
+            <a:pPr marL="342900" lvl="0" indent="-342900">
               <a:lnSpc>
                 <a:spcPct val="150000"/>
               </a:lnSpc>
@@ -12703,7 +12700,7 @@
             </a:r>
           </a:p>
           <a:p>
-            <a:pPr marL="342900" lvl="0" indent="-342900" algn="just">
+            <a:pPr marL="342900" lvl="0" indent="-342900">
               <a:lnSpc>
                 <a:spcPct val="150000"/>
               </a:lnSpc>
@@ -12730,7 +12727,7 @@
             </a:r>
           </a:p>
           <a:p>
-            <a:pPr marL="342900" lvl="0" indent="-342900" algn="just">
+            <a:pPr marL="342900" lvl="0" indent="-342900">
               <a:lnSpc>
                 <a:spcPct val="150000"/>
               </a:lnSpc>
@@ -12781,7 +12778,7 @@
             </a:endParaRPr>
           </a:p>
           <a:p>
-            <a:pPr marL="342900" lvl="0" indent="-342900" algn="just">
+            <a:pPr marL="342900" lvl="0" indent="-342900">
               <a:lnSpc>
                 <a:spcPct val="150000"/>
               </a:lnSpc>
@@ -12817,7 +12814,7 @@
             </a:r>
           </a:p>
           <a:p>
-            <a:pPr marL="342900" indent="-342900" algn="just">
+            <a:pPr marL="342900" indent="-342900">
               <a:lnSpc>
                 <a:spcPct val="150000"/>
               </a:lnSpc>
@@ -13554,7 +13551,7 @@
           <p:cNvPr id="33" name="TextBox 32">
             <a:extLst>
               <a:ext uri="{FF2B5EF4-FFF2-40B4-BE49-F238E27FC236}">
-                <a16:creationId xmlns="" xmlns:a16="http://schemas.microsoft.com/office/drawing/2014/main" id="{042C5044-EDCD-4C9F-8165-3CC21DD5B489}"/>
+                <a16:creationId xmlns:a16="http://schemas.microsoft.com/office/drawing/2014/main" xmlns="" id="{042C5044-EDCD-4C9F-8165-3CC21DD5B489}"/>
               </a:ext>
             </a:extLst>
           </p:cNvPr>
@@ -13949,7 +13946,7 @@
           <p:cNvPr id="35" name="TextBox 34">
             <a:extLst>
               <a:ext uri="{FF2B5EF4-FFF2-40B4-BE49-F238E27FC236}">
-                <a16:creationId xmlns="" xmlns:a16="http://schemas.microsoft.com/office/drawing/2014/main" id="{7C3383FF-0142-4918-99B6-C11C02CCE683}"/>
+                <a16:creationId xmlns:a16="http://schemas.microsoft.com/office/drawing/2014/main" xmlns="" id="{7C3383FF-0142-4918-99B6-C11C02CCE683}"/>
               </a:ext>
             </a:extLst>
           </p:cNvPr>
@@ -14145,7 +14142,7 @@
           <p:cNvPr id="37" name="TextBox 36">
             <a:extLst>
               <a:ext uri="{FF2B5EF4-FFF2-40B4-BE49-F238E27FC236}">
-                <a16:creationId xmlns="" xmlns:a16="http://schemas.microsoft.com/office/drawing/2014/main" id="{09A6509C-8C23-4C09-A330-51FC6BD92A52}"/>
+                <a16:creationId xmlns:a16="http://schemas.microsoft.com/office/drawing/2014/main" xmlns="" id="{09A6509C-8C23-4C09-A330-51FC6BD92A52}"/>
               </a:ext>
             </a:extLst>
           </p:cNvPr>
@@ -15529,7 +15526,7 @@
           <a:graphicData uri="http://schemas.openxmlformats.org/presentationml/2006/ole">
             <mc:AlternateContent xmlns:mc="http://schemas.openxmlformats.org/markup-compatibility/2006">
               <mc:Choice xmlns:v="urn:schemas-microsoft-com:vml" Requires="v">
-                <p:oleObj spid="_x0000_s1074" name="Формула" r:id="rId3" imgW="317160" imgH="164880" progId="Equation.3">
+                <p:oleObj spid="_x0000_s1106" name="Формула" r:id="rId3" imgW="317160" imgH="164880" progId="Equation.3">
                   <p:embed/>
                 </p:oleObj>
               </mc:Choice>
@@ -15595,7 +15592,7 @@
           <a:graphicData uri="http://schemas.openxmlformats.org/presentationml/2006/ole">
             <mc:AlternateContent xmlns:mc="http://schemas.openxmlformats.org/markup-compatibility/2006">
               <mc:Choice xmlns:v="urn:schemas-microsoft-com:vml" Requires="v">
-                <p:oleObj spid="_x0000_s1075" name="Формула" r:id="rId5" imgW="1307880" imgH="241200" progId="Equation.3">
+                <p:oleObj spid="_x0000_s1107" name="Формула" r:id="rId5" imgW="1307880" imgH="241200" progId="Equation.3">
                   <p:embed/>
                 </p:oleObj>
               </mc:Choice>
@@ -15661,7 +15658,7 @@
           <a:graphicData uri="http://schemas.openxmlformats.org/presentationml/2006/ole">
             <mc:AlternateContent xmlns:mc="http://schemas.openxmlformats.org/markup-compatibility/2006">
               <mc:Choice xmlns:v="urn:schemas-microsoft-com:vml" Requires="v">
-                <p:oleObj spid="_x0000_s1076" name="Формула" r:id="rId7" imgW="596880" imgH="431640" progId="Equation.3">
+                <p:oleObj spid="_x0000_s1108" name="Формула" r:id="rId7" imgW="596880" imgH="431640" progId="Equation.3">
                   <p:embed/>
                 </p:oleObj>
               </mc:Choice>
@@ -15727,7 +15724,7 @@
           <a:graphicData uri="http://schemas.openxmlformats.org/presentationml/2006/ole">
             <mc:AlternateContent xmlns:mc="http://schemas.openxmlformats.org/markup-compatibility/2006">
               <mc:Choice xmlns:v="urn:schemas-microsoft-com:vml" Requires="v">
-                <p:oleObj spid="_x0000_s1077" name="Формула" r:id="rId9" imgW="1028520" imgH="431640" progId="Equation.3">
+                <p:oleObj spid="_x0000_s1109" name="Формула" r:id="rId9" imgW="1028520" imgH="431640" progId="Equation.3">
                   <p:embed/>
                 </p:oleObj>
               </mc:Choice>
@@ -15793,7 +15790,7 @@
           <a:graphicData uri="http://schemas.openxmlformats.org/presentationml/2006/ole">
             <mc:AlternateContent xmlns:mc="http://schemas.openxmlformats.org/markup-compatibility/2006">
               <mc:Choice xmlns:v="urn:schemas-microsoft-com:vml" Requires="v">
-                <p:oleObj spid="_x0000_s1078" name="Формула" r:id="rId11" imgW="1282680" imgH="228600" progId="Equation.3">
+                <p:oleObj spid="_x0000_s1110" name="Формула" r:id="rId11" imgW="1282680" imgH="228600" progId="Equation.3">
                   <p:embed/>
                 </p:oleObj>
               </mc:Choice>
@@ -15859,7 +15856,7 @@
           <a:graphicData uri="http://schemas.openxmlformats.org/presentationml/2006/ole">
             <mc:AlternateContent xmlns:mc="http://schemas.openxmlformats.org/markup-compatibility/2006">
               <mc:Choice xmlns:v="urn:schemas-microsoft-com:vml" Requires="v">
-                <p:oleObj spid="_x0000_s1079" name="Формула" r:id="rId13" imgW="1130040" imgH="431640" progId="Equation.3">
+                <p:oleObj spid="_x0000_s1111" name="Формула" r:id="rId13" imgW="1130040" imgH="431640" progId="Equation.3">
                   <p:embed/>
                 </p:oleObj>
               </mc:Choice>
@@ -15925,7 +15922,7 @@
           <a:graphicData uri="http://schemas.openxmlformats.org/presentationml/2006/ole">
             <mc:AlternateContent xmlns:mc="http://schemas.openxmlformats.org/markup-compatibility/2006">
               <mc:Choice xmlns:v="urn:schemas-microsoft-com:vml" Requires="v">
-                <p:oleObj spid="_x0000_s1080" name="Формула" r:id="rId15" imgW="1447560" imgH="495000" progId="Equation.3">
+                <p:oleObj spid="_x0000_s1112" name="Формула" r:id="rId15" imgW="1447560" imgH="495000" progId="Equation.3">
                   <p:embed/>
                 </p:oleObj>
               </mc:Choice>
@@ -15991,7 +15988,7 @@
           <a:graphicData uri="http://schemas.openxmlformats.org/presentationml/2006/ole">
             <mc:AlternateContent xmlns:mc="http://schemas.openxmlformats.org/markup-compatibility/2006">
               <mc:Choice xmlns:v="urn:schemas-microsoft-com:vml" Requires="v">
-                <p:oleObj spid="_x0000_s1081" name="Формула" r:id="rId17" imgW="749160" imgH="241200" progId="Equation.3">
+                <p:oleObj spid="_x0000_s1113" name="Формула" r:id="rId17" imgW="749160" imgH="241200" progId="Equation.3">
                   <p:embed/>
                 </p:oleObj>
               </mc:Choice>
@@ -16057,7 +16054,7 @@
           <a:graphicData uri="http://schemas.openxmlformats.org/presentationml/2006/ole">
             <mc:AlternateContent xmlns:mc="http://schemas.openxmlformats.org/markup-compatibility/2006">
               <mc:Choice xmlns:v="urn:schemas-microsoft-com:vml" Requires="v">
-                <p:oleObj spid="_x0000_s1082" name="Формула" r:id="rId19" imgW="1206360" imgH="241200" progId="Equation.3">
+                <p:oleObj spid="_x0000_s1114" name="Формула" r:id="rId19" imgW="1206360" imgH="241200" progId="Equation.3">
                   <p:embed/>
                 </p:oleObj>
               </mc:Choice>
@@ -16123,7 +16120,7 @@
           <a:graphicData uri="http://schemas.openxmlformats.org/presentationml/2006/ole">
             <mc:AlternateContent xmlns:mc="http://schemas.openxmlformats.org/markup-compatibility/2006">
               <mc:Choice xmlns:v="urn:schemas-microsoft-com:vml" Requires="v">
-                <p:oleObj spid="_x0000_s1083" name="Формула" r:id="rId21" imgW="634680" imgH="393480" progId="Equation.3">
+                <p:oleObj spid="_x0000_s1115" name="Формула" r:id="rId21" imgW="634680" imgH="393480" progId="Equation.3">
                   <p:embed/>
                 </p:oleObj>
               </mc:Choice>
@@ -16189,7 +16186,7 @@
           <a:graphicData uri="http://schemas.openxmlformats.org/presentationml/2006/ole">
             <mc:AlternateContent xmlns:mc="http://schemas.openxmlformats.org/markup-compatibility/2006">
               <mc:Choice xmlns:v="urn:schemas-microsoft-com:vml" Requires="v">
-                <p:oleObj spid="_x0000_s1084" name="Уравнение" r:id="rId23" imgW="4356000" imgH="482400" progId="Equation.3">
+                <p:oleObj spid="_x0000_s1116" name="Уравнение" r:id="rId23" imgW="4356000" imgH="482400" progId="Equation.3">
                   <p:embed/>
                 </p:oleObj>
               </mc:Choice>
@@ -16255,7 +16252,7 @@
           <a:graphicData uri="http://schemas.openxmlformats.org/presentationml/2006/ole">
             <mc:AlternateContent xmlns:mc="http://schemas.openxmlformats.org/markup-compatibility/2006">
               <mc:Choice xmlns:v="urn:schemas-microsoft-com:vml" Requires="v">
-                <p:oleObj spid="_x0000_s1085" name="Формула" r:id="rId25" imgW="2946240" imgH="431640" progId="Equation.3">
+                <p:oleObj spid="_x0000_s1117" name="Формула" r:id="rId25" imgW="2946240" imgH="431640" progId="Equation.3">
                   <p:embed/>
                 </p:oleObj>
               </mc:Choice>
@@ -17406,7 +17403,7 @@
           <a:graphicData uri="http://schemas.openxmlformats.org/presentationml/2006/ole">
             <mc:AlternateContent xmlns:mc="http://schemas.openxmlformats.org/markup-compatibility/2006">
               <mc:Choice xmlns:v="urn:schemas-microsoft-com:vml" Requires="v">
-                <p:oleObj spid="_x0000_s1086" name="Picture" r:id="rId27" imgW="5861465" imgH="2543447" progId="Word.Picture.8">
+                <p:oleObj spid="_x0000_s1118" name="Picture" r:id="rId27" imgW="5861465" imgH="2543447" progId="Word.Picture.8">
                   <p:embed/>
                 </p:oleObj>
               </mc:Choice>
@@ -17634,7 +17631,7 @@
           <a:graphicData uri="http://schemas.openxmlformats.org/presentationml/2006/ole">
             <mc:AlternateContent xmlns:mc="http://schemas.openxmlformats.org/markup-compatibility/2006">
               <mc:Choice xmlns:v="urn:schemas-microsoft-com:vml" Requires="v">
-                <p:oleObj spid="_x0000_s1087" name="Equation" r:id="rId29" imgW="3162240" imgH="850680" progId="Equation.3">
+                <p:oleObj spid="_x0000_s1119" name="Equation" r:id="rId29" imgW="3162240" imgH="850680" progId="Equation.3">
                   <p:embed/>
                 </p:oleObj>
               </mc:Choice>
@@ -17700,7 +17697,7 @@
           <a:graphicData uri="http://schemas.openxmlformats.org/presentationml/2006/ole">
             <mc:AlternateContent xmlns:mc="http://schemas.openxmlformats.org/markup-compatibility/2006">
               <mc:Choice xmlns:v="urn:schemas-microsoft-com:vml" Requires="v">
-                <p:oleObj spid="_x0000_s1088" name="Уравнение" r:id="rId31" imgW="1739880" imgH="241200" progId="Equation.3">
+                <p:oleObj spid="_x0000_s1120" name="Уравнение" r:id="rId31" imgW="1739880" imgH="241200" progId="Equation.3">
                   <p:embed/>
                 </p:oleObj>
               </mc:Choice>
@@ -17766,7 +17763,7 @@
           <a:graphicData uri="http://schemas.openxmlformats.org/presentationml/2006/ole">
             <mc:AlternateContent xmlns:mc="http://schemas.openxmlformats.org/markup-compatibility/2006">
               <mc:Choice xmlns:v="urn:schemas-microsoft-com:vml" Requires="v">
-                <p:oleObj spid="_x0000_s1089" name="Уравнение" r:id="rId33" imgW="1130040" imgH="393480" progId="Equation.3">
+                <p:oleObj spid="_x0000_s1121" name="Уравнение" r:id="rId33" imgW="1130040" imgH="393480" progId="Equation.3">
                   <p:embed/>
                 </p:oleObj>
               </mc:Choice>
@@ -19707,7 +19704,7 @@
           <a:graphicData uri="http://schemas.openxmlformats.org/presentationml/2006/ole">
             <mc:AlternateContent xmlns:mc="http://schemas.openxmlformats.org/markup-compatibility/2006">
               <mc:Choice xmlns:v="urn:schemas-microsoft-com:vml" Requires="v">
-                <p:oleObj spid="_x0000_s2090" name="Equation" r:id="rId3" imgW="545760" imgH="241200" progId="Equation.3">
+                <p:oleObj spid="_x0000_s2110" name="Equation" r:id="rId3" imgW="545760" imgH="241200" progId="Equation.3">
                   <p:embed/>
                 </p:oleObj>
               </mc:Choice>
@@ -19998,7 +19995,7 @@
           <a:graphicData uri="http://schemas.openxmlformats.org/presentationml/2006/ole">
             <mc:AlternateContent xmlns:mc="http://schemas.openxmlformats.org/markup-compatibility/2006">
               <mc:Choice xmlns:v="urn:schemas-microsoft-com:vml" Requires="v">
-                <p:oleObj spid="_x0000_s2091" name="Equation" r:id="rId5" imgW="1485720" imgH="609480" progId="Equation.3">
+                <p:oleObj spid="_x0000_s2111" name="Equation" r:id="rId5" imgW="1485720" imgH="609480" progId="Equation.3">
                   <p:embed/>
                 </p:oleObj>
               </mc:Choice>
@@ -20064,7 +20061,7 @@
           <a:graphicData uri="http://schemas.openxmlformats.org/presentationml/2006/ole">
             <mc:AlternateContent xmlns:mc="http://schemas.openxmlformats.org/markup-compatibility/2006">
               <mc:Choice xmlns:v="urn:schemas-microsoft-com:vml" Requires="v">
-                <p:oleObj spid="_x0000_s2092" name="Документ" r:id="rId7" imgW="5046662" imgH="2540557" progId="Word.Document.12">
+                <p:oleObj spid="_x0000_s2112" name="Документ" r:id="rId7" imgW="5046662" imgH="2540557" progId="Word.Document.12">
                   <p:embed/>
                 </p:oleObj>
               </mc:Choice>
@@ -20184,7 +20181,7 @@
           <a:graphicData uri="http://schemas.openxmlformats.org/presentationml/2006/ole">
             <mc:AlternateContent xmlns:mc="http://schemas.openxmlformats.org/markup-compatibility/2006">
               <mc:Choice xmlns:v="urn:schemas-microsoft-com:vml" Requires="v">
-                <p:oleObj spid="_x0000_s2093" name="Формула" r:id="rId9" imgW="1307880" imgH="482400" progId="Equation.3">
+                <p:oleObj spid="_x0000_s2113" name="Формула" r:id="rId9" imgW="1307880" imgH="482400" progId="Equation.3">
                   <p:embed/>
                 </p:oleObj>
               </mc:Choice>
@@ -20354,7 +20351,7 @@
           <a:graphicData uri="http://schemas.openxmlformats.org/presentationml/2006/ole">
             <mc:AlternateContent xmlns:mc="http://schemas.openxmlformats.org/markup-compatibility/2006">
               <mc:Choice xmlns:v="urn:schemas-microsoft-com:vml" Requires="v">
-                <p:oleObj spid="_x0000_s2094" name="Формула" r:id="rId11" imgW="1726920" imgH="266400" progId="Equation.3">
+                <p:oleObj spid="_x0000_s2114" name="Формула" r:id="rId11" imgW="1726920" imgH="266400" progId="Equation.3">
                   <p:embed/>
                 </p:oleObj>
               </mc:Choice>
@@ -20420,7 +20417,7 @@
           <a:graphicData uri="http://schemas.openxmlformats.org/presentationml/2006/ole">
             <mc:AlternateContent xmlns:mc="http://schemas.openxmlformats.org/markup-compatibility/2006">
               <mc:Choice xmlns:v="urn:schemas-microsoft-com:vml" Requires="v">
-                <p:oleObj spid="_x0000_s2095" name="Формула" r:id="rId13" imgW="2044440" imgH="520560" progId="Equation.3">
+                <p:oleObj spid="_x0000_s2115" name="Формула" r:id="rId13" imgW="2044440" imgH="520560" progId="Equation.3">
                   <p:embed/>
                 </p:oleObj>
               </mc:Choice>
@@ -20486,7 +20483,7 @@
           <a:graphicData uri="http://schemas.openxmlformats.org/presentationml/2006/ole">
             <mc:AlternateContent xmlns:mc="http://schemas.openxmlformats.org/markup-compatibility/2006">
               <mc:Choice xmlns:v="urn:schemas-microsoft-com:vml" Requires="v">
-                <p:oleObj spid="_x0000_s2096" name="Формула" r:id="rId15" imgW="1041120" imgH="444240" progId="Equation.3">
+                <p:oleObj spid="_x0000_s2116" name="Формула" r:id="rId15" imgW="1041120" imgH="444240" progId="Equation.3">
                   <p:embed/>
                 </p:oleObj>
               </mc:Choice>
@@ -20552,7 +20549,7 @@
           <a:graphicData uri="http://schemas.openxmlformats.org/presentationml/2006/ole">
             <mc:AlternateContent xmlns:mc="http://schemas.openxmlformats.org/markup-compatibility/2006">
               <mc:Choice xmlns:v="urn:schemas-microsoft-com:vml" Requires="v">
-                <p:oleObj spid="_x0000_s2097" name="Формула" r:id="rId17" imgW="2501640" imgH="533160" progId="Equation.3">
+                <p:oleObj spid="_x0000_s2117" name="Формула" r:id="rId17" imgW="2501640" imgH="533160" progId="Equation.3">
                   <p:embed/>
                 </p:oleObj>
               </mc:Choice>
@@ -21469,7 +21466,7 @@
           <a:graphicData uri="http://schemas.openxmlformats.org/presentationml/2006/ole">
             <mc:AlternateContent xmlns:mc="http://schemas.openxmlformats.org/markup-compatibility/2006">
               <mc:Choice xmlns:v="urn:schemas-microsoft-com:vml" Requires="v">
-                <p:oleObj spid="_x0000_s2098" name="Формула" r:id="rId19" imgW="698400" imgH="241200" progId="Equation.3">
+                <p:oleObj spid="_x0000_s2118" name="Формула" r:id="rId19" imgW="698400" imgH="241200" progId="Equation.3">
                   <p:embed/>
                 </p:oleObj>
               </mc:Choice>
@@ -21535,7 +21532,7 @@
           <a:graphicData uri="http://schemas.openxmlformats.org/presentationml/2006/ole">
             <mc:AlternateContent xmlns:mc="http://schemas.openxmlformats.org/markup-compatibility/2006">
               <mc:Choice xmlns:v="urn:schemas-microsoft-com:vml" Requires="v">
-                <p:oleObj spid="_x0000_s2099" name="Формула" r:id="rId21" imgW="825480" imgH="330120" progId="Equation.3">
+                <p:oleObj spid="_x0000_s2119" name="Формула" r:id="rId21" imgW="825480" imgH="330120" progId="Equation.3">
                   <p:embed/>
                 </p:oleObj>
               </mc:Choice>
@@ -22790,7 +22787,7 @@
           <a:graphicData uri="http://schemas.openxmlformats.org/presentationml/2006/ole">
             <mc:AlternateContent xmlns:mc="http://schemas.openxmlformats.org/markup-compatibility/2006">
               <mc:Choice xmlns:v="urn:schemas-microsoft-com:vml" Requires="v">
-                <p:oleObj spid="_x0000_s3119" name="Формула" r:id="rId3" imgW="1422360" imgH="393480" progId="Equation.3">
+                <p:oleObj spid="_x0000_s3149" name="Формула" r:id="rId3" imgW="1422360" imgH="393480" progId="Equation.3">
                   <p:embed/>
                 </p:oleObj>
               </mc:Choice>
@@ -22856,7 +22853,7 @@
           <a:graphicData uri="http://schemas.openxmlformats.org/presentationml/2006/ole">
             <mc:AlternateContent xmlns:mc="http://schemas.openxmlformats.org/markup-compatibility/2006">
               <mc:Choice xmlns:v="urn:schemas-microsoft-com:vml" Requires="v">
-                <p:oleObj spid="_x0000_s3120" name="Формула" r:id="rId5" imgW="1015920" imgH="393480" progId="Equation.3">
+                <p:oleObj spid="_x0000_s3150" name="Формула" r:id="rId5" imgW="1015920" imgH="393480" progId="Equation.3">
                   <p:embed/>
                 </p:oleObj>
               </mc:Choice>
@@ -22922,7 +22919,7 @@
           <a:graphicData uri="http://schemas.openxmlformats.org/presentationml/2006/ole">
             <mc:AlternateContent xmlns:mc="http://schemas.openxmlformats.org/markup-compatibility/2006">
               <mc:Choice xmlns:v="urn:schemas-microsoft-com:vml" Requires="v">
-                <p:oleObj spid="_x0000_s3121" name="Формула" r:id="rId7" imgW="1384200" imgH="393480" progId="Equation.3">
+                <p:oleObj spid="_x0000_s3151" name="Формула" r:id="rId7" imgW="1384200" imgH="393480" progId="Equation.3">
                   <p:embed/>
                 </p:oleObj>
               </mc:Choice>
@@ -23051,7 +23048,7 @@
           <a:graphicData uri="http://schemas.openxmlformats.org/presentationml/2006/ole">
             <mc:AlternateContent xmlns:mc="http://schemas.openxmlformats.org/markup-compatibility/2006">
               <mc:Choice xmlns:v="urn:schemas-microsoft-com:vml" Requires="v">
-                <p:oleObj spid="_x0000_s3122" name="Формула" r:id="rId9" imgW="1866600" imgH="469800" progId="Equation.3">
+                <p:oleObj spid="_x0000_s3152" name="Формула" r:id="rId9" imgW="1866600" imgH="469800" progId="Equation.3">
                   <p:embed/>
                 </p:oleObj>
               </mc:Choice>
@@ -23172,7 +23169,7 @@
           <a:graphicData uri="http://schemas.openxmlformats.org/presentationml/2006/ole">
             <mc:AlternateContent xmlns:mc="http://schemas.openxmlformats.org/markup-compatibility/2006">
               <mc:Choice xmlns:v="urn:schemas-microsoft-com:vml" Requires="v">
-                <p:oleObj spid="_x0000_s3123" name="Формула" r:id="rId11" imgW="1574640" imgH="457200" progId="Equation.3">
+                <p:oleObj spid="_x0000_s3153" name="Формула" r:id="rId11" imgW="1574640" imgH="457200" progId="Equation.3">
                   <p:embed/>
                 </p:oleObj>
               </mc:Choice>
@@ -23301,7 +23298,7 @@
           <a:graphicData uri="http://schemas.openxmlformats.org/presentationml/2006/ole">
             <mc:AlternateContent xmlns:mc="http://schemas.openxmlformats.org/markup-compatibility/2006">
               <mc:Choice xmlns:v="urn:schemas-microsoft-com:vml" Requires="v">
-                <p:oleObj spid="_x0000_s3124" name="Equation" r:id="rId13" imgW="1282680" imgH="469800" progId="Equation.3">
+                <p:oleObj spid="_x0000_s3154" name="Equation" r:id="rId13" imgW="1282680" imgH="469800" progId="Equation.3">
                   <p:embed/>
                 </p:oleObj>
               </mc:Choice>
@@ -23367,7 +23364,7 @@
           <a:graphicData uri="http://schemas.openxmlformats.org/presentationml/2006/ole">
             <mc:AlternateContent xmlns:mc="http://schemas.openxmlformats.org/markup-compatibility/2006">
               <mc:Choice xmlns:v="urn:schemas-microsoft-com:vml" Requires="v">
-                <p:oleObj spid="_x0000_s3125" name="Формула" r:id="rId15" imgW="1485720" imgH="457200" progId="Equation.3">
+                <p:oleObj spid="_x0000_s3155" name="Формула" r:id="rId15" imgW="1485720" imgH="457200" progId="Equation.3">
                   <p:embed/>
                 </p:oleObj>
               </mc:Choice>
@@ -24373,7 +24370,7 @@
           <a:graphicData uri="http://schemas.openxmlformats.org/presentationml/2006/ole">
             <mc:AlternateContent xmlns:mc="http://schemas.openxmlformats.org/markup-compatibility/2006">
               <mc:Choice xmlns:v="urn:schemas-microsoft-com:vml" Requires="v">
-                <p:oleObj spid="_x0000_s3126" name="Формула" r:id="rId17" imgW="863280" imgH="266400" progId="Equation.3">
+                <p:oleObj spid="_x0000_s3156" name="Формула" r:id="rId17" imgW="863280" imgH="266400" progId="Equation.3">
                   <p:embed/>
                 </p:oleObj>
               </mc:Choice>
@@ -24645,7 +24642,7 @@
           <a:graphicData uri="http://schemas.openxmlformats.org/presentationml/2006/ole">
             <mc:AlternateContent xmlns:mc="http://schemas.openxmlformats.org/markup-compatibility/2006">
               <mc:Choice xmlns:v="urn:schemas-microsoft-com:vml" Requires="v">
-                <p:oleObj spid="_x0000_s3127" name="Документ" r:id="rId19" imgW="4500076" imgH="2437089" progId="Word.Document.12">
+                <p:oleObj spid="_x0000_s3157" name="Документ" r:id="rId19" imgW="4500076" imgH="2437089" progId="Word.Document.12">
                   <p:embed/>
                 </p:oleObj>
               </mc:Choice>
@@ -24757,7 +24754,7 @@
           <a:graphicData uri="http://schemas.openxmlformats.org/presentationml/2006/ole">
             <mc:AlternateContent xmlns:mc="http://schemas.openxmlformats.org/markup-compatibility/2006">
               <mc:Choice xmlns:v="urn:schemas-microsoft-com:vml" Requires="v">
-                <p:oleObj spid="_x0000_s3128" name="Equation" r:id="rId21" imgW="1892160" imgH="228600" progId="Equation.3">
+                <p:oleObj spid="_x0000_s3158" name="Equation" r:id="rId21" imgW="1892160" imgH="228600" progId="Equation.3">
                   <p:embed/>
                 </p:oleObj>
               </mc:Choice>
@@ -24823,7 +24820,7 @@
           <a:graphicData uri="http://schemas.openxmlformats.org/presentationml/2006/ole">
             <mc:AlternateContent xmlns:mc="http://schemas.openxmlformats.org/markup-compatibility/2006">
               <mc:Choice xmlns:v="urn:schemas-microsoft-com:vml" Requires="v">
-                <p:oleObj spid="_x0000_s3129" name="Формула" r:id="rId23" imgW="2019240" imgH="228600" progId="Equation.3">
+                <p:oleObj spid="_x0000_s3159" name="Формула" r:id="rId23" imgW="2019240" imgH="228600" progId="Equation.3">
                   <p:embed/>
                 </p:oleObj>
               </mc:Choice>
@@ -24889,7 +24886,7 @@
           <a:graphicData uri="http://schemas.openxmlformats.org/presentationml/2006/ole">
             <mc:AlternateContent xmlns:mc="http://schemas.openxmlformats.org/markup-compatibility/2006">
               <mc:Choice xmlns:v="urn:schemas-microsoft-com:vml" Requires="v">
-                <p:oleObj spid="_x0000_s3130" name="Формула" r:id="rId25" imgW="812520" imgH="393480" progId="Equation.3">
+                <p:oleObj spid="_x0000_s3160" name="Формула" r:id="rId25" imgW="812520" imgH="393480" progId="Equation.3">
                   <p:embed/>
                 </p:oleObj>
               </mc:Choice>
@@ -25118,7 +25115,7 @@
           <a:graphicData uri="http://schemas.openxmlformats.org/presentationml/2006/ole">
             <mc:AlternateContent xmlns:mc="http://schemas.openxmlformats.org/markup-compatibility/2006">
               <mc:Choice xmlns:v="urn:schemas-microsoft-com:vml" Requires="v">
-                <p:oleObj spid="_x0000_s3131" name="Equation" r:id="rId27" imgW="698400" imgH="431640" progId="Equation.3">
+                <p:oleObj spid="_x0000_s3161" name="Equation" r:id="rId27" imgW="698400" imgH="431640" progId="Equation.3">
                   <p:embed/>
                 </p:oleObj>
               </mc:Choice>
@@ -25319,7 +25316,7 @@
           <a:graphicData uri="http://schemas.openxmlformats.org/presentationml/2006/ole">
             <mc:AlternateContent xmlns:mc="http://schemas.openxmlformats.org/markup-compatibility/2006">
               <mc:Choice xmlns:v="urn:schemas-microsoft-com:vml" Requires="v">
-                <p:oleObj spid="_x0000_s3132" name="Equation" r:id="rId29" imgW="177480" imgH="228600" progId="Equation.3">
+                <p:oleObj spid="_x0000_s3162" name="Equation" r:id="rId29" imgW="177480" imgH="228600" progId="Equation.3">
                   <p:embed/>
                 </p:oleObj>
               </mc:Choice>
@@ -25499,7 +25496,7 @@
           <a:graphicData uri="http://schemas.openxmlformats.org/presentationml/2006/ole">
             <mc:AlternateContent xmlns:mc="http://schemas.openxmlformats.org/markup-compatibility/2006">
               <mc:Choice xmlns:v="urn:schemas-microsoft-com:vml" Requires="v">
-                <p:oleObj spid="_x0000_s3133" name="Формула" r:id="rId31" imgW="393480" imgH="228600" progId="Equation.3">
+                <p:oleObj spid="_x0000_s3163" name="Формула" r:id="rId31" imgW="393480" imgH="228600" progId="Equation.3">
                   <p:embed/>
                 </p:oleObj>
               </mc:Choice>
